--- a/course_material/slides/024_search_sort.pptx
+++ b/course_material/slides/024_search_sort.pptx
@@ -3739,6 +3739,11 @@
               <a:rPr lang="en-US" dirty="0"/>
               <a:t>Passing functions in functional coding, more big O, size/speed/cost thoughts. </a:t>
             </a:r>
+            <a:r>
+              <a:rPr lang="en-US"/>
+              <a:t>(ch13)</a:t>
+            </a:r>
+            <a:endParaRPr lang="en-US" dirty="0"/>
           </a:p>
         </p:txBody>
       </p:sp>
